--- a/Presentaciones/Presentacion_Fundamentos_2016_007_N.pptx
+++ b/Presentaciones/Presentacion_Fundamentos_2016_007_N.pptx
@@ -127,7 +127,7 @@
   </p:defaultTextStyle>
   <p:extLst>
     <p:ext uri="{EFAFB233-063F-42B5-8137-9DF3F51BA10A}">
-      <p15:sldGuideLst xmlns:p15="http://schemas.microsoft.com/office/powerpoint/2012/main">
+      <p15:sldGuideLst xmlns:p15="http://schemas.microsoft.com/office/powerpoint/2012/main" xmlns="">
         <p15:guide id="1" orient="horz" pos="2160">
           <p15:clr>
             <a:srgbClr val="A4A3A4"/>
@@ -141,7 +141,7 @@
       </p15:sldGuideLst>
     </p:ext>
     <p:ext uri="{2D200454-40CA-4A62-9FC3-DE9A4176ACB9}">
-      <p15:notesGuideLst xmlns:p15="http://schemas.microsoft.com/office/powerpoint/2012/main">
+      <p15:notesGuideLst xmlns:p15="http://schemas.microsoft.com/office/powerpoint/2012/main" xmlns="">
         <p15:guide id="1" orient="horz" pos="2880">
           <p15:clr>
             <a:srgbClr val="A4A3A4"/>
@@ -240,7 +240,7 @@
           <a:p>
             <a:fld id="{B09549CF-5A45-43FF-8AF3-7463F2EA0A2B}" type="datetimeFigureOut">
               <a:rPr lang="en-US" smtClean="0"/>
-              <a:t>8/3/16</a:t>
+              <a:t>8/4/2016</a:t>
             </a:fld>
             <a:endParaRPr lang="en-US"/>
           </a:p>
@@ -1036,7 +1036,7 @@
           <a:p>
             <a:fld id="{91EF9960-F855-438E-A7A6-55F37F3C0765}" type="datetimeFigureOut">
               <a:rPr lang="en-US" smtClean="0"/>
-              <a:t>8/3/16</a:t>
+              <a:t>8/4/2016</a:t>
             </a:fld>
             <a:endParaRPr lang="en-US"/>
           </a:p>
@@ -1346,7 +1346,7 @@
           <a:p>
             <a:fld id="{91EF9960-F855-438E-A7A6-55F37F3C0765}" type="datetimeFigureOut">
               <a:rPr lang="en-US" smtClean="0"/>
-              <a:t>8/3/16</a:t>
+              <a:t>8/4/2016</a:t>
             </a:fld>
             <a:endParaRPr lang="en-US"/>
           </a:p>
@@ -1738,7 +1738,7 @@
           <a:p>
             <a:fld id="{91EF9960-F855-438E-A7A6-55F37F3C0765}" type="datetimeFigureOut">
               <a:rPr lang="en-US" smtClean="0"/>
-              <a:t>8/3/16</a:t>
+              <a:t>8/4/2016</a:t>
             </a:fld>
             <a:endParaRPr lang="en-US"/>
           </a:p>
@@ -2018,7 +2018,7 @@
           <a:p>
             <a:fld id="{91EF9960-F855-438E-A7A6-55F37F3C0765}" type="datetimeFigureOut">
               <a:rPr lang="en-US" smtClean="0"/>
-              <a:t>8/3/16</a:t>
+              <a:t>8/4/2016</a:t>
             </a:fld>
             <a:endParaRPr lang="en-US"/>
           </a:p>
@@ -2390,7 +2390,7 @@
           <a:p>
             <a:fld id="{91EF9960-F855-438E-A7A6-55F37F3C0765}" type="datetimeFigureOut">
               <a:rPr lang="en-US" smtClean="0"/>
-              <a:t>8/3/16</a:t>
+              <a:t>8/4/2016</a:t>
             </a:fld>
             <a:endParaRPr lang="en-US"/>
           </a:p>
@@ -2938,7 +2938,7 @@
           <a:p>
             <a:fld id="{91EF9960-F855-438E-A7A6-55F37F3C0765}" type="datetimeFigureOut">
               <a:rPr lang="en-US" smtClean="0"/>
-              <a:t>8/3/16</a:t>
+              <a:t>8/4/2016</a:t>
             </a:fld>
             <a:endParaRPr lang="en-US"/>
           </a:p>
@@ -3186,7 +3186,7 @@
           <a:p>
             <a:fld id="{91EF9960-F855-438E-A7A6-55F37F3C0765}" type="datetimeFigureOut">
               <a:rPr lang="en-US" smtClean="0"/>
-              <a:t>8/3/16</a:t>
+              <a:t>8/4/2016</a:t>
             </a:fld>
             <a:endParaRPr lang="en-US"/>
           </a:p>
@@ -3403,7 +3403,7 @@
           <a:p>
             <a:fld id="{91EF9960-F855-438E-A7A6-55F37F3C0765}" type="datetimeFigureOut">
               <a:rPr lang="en-US" smtClean="0"/>
-              <a:t>8/3/16</a:t>
+              <a:t>8/4/2016</a:t>
             </a:fld>
             <a:endParaRPr lang="en-US"/>
           </a:p>
@@ -3802,7 +3802,7 @@
           <a:p>
             <a:fld id="{91EF9960-F855-438E-A7A6-55F37F3C0765}" type="datetimeFigureOut">
               <a:rPr lang="en-US" smtClean="0"/>
-              <a:t>8/3/16</a:t>
+              <a:t>8/4/2016</a:t>
             </a:fld>
             <a:endParaRPr lang="en-US"/>
           </a:p>
@@ -4177,7 +4177,7 @@
           <a:p>
             <a:fld id="{91EF9960-F855-438E-A7A6-55F37F3C0765}" type="datetimeFigureOut">
               <a:rPr lang="en-US" smtClean="0"/>
-              <a:t>8/3/16</a:t>
+              <a:t>8/4/2016</a:t>
             </a:fld>
             <a:endParaRPr lang="en-US"/>
           </a:p>
@@ -4512,7 +4512,7 @@
           <a:p>
             <a:fld id="{91EF9960-F855-438E-A7A6-55F37F3C0765}" type="datetimeFigureOut">
               <a:rPr lang="en-US" smtClean="0"/>
-              <a:t>8/3/16</a:t>
+              <a:t>8/4/2016</a:t>
             </a:fld>
             <a:endParaRPr lang="en-US"/>
           </a:p>
@@ -4939,11 +4939,7 @@
             </a:r>
             <a:r>
               <a:rPr lang="en-US" dirty="0" smtClean="0"/>
-              <a:t> </a:t>
-            </a:r>
-            <a:r>
-              <a:rPr lang="en-US" dirty="0" smtClean="0"/>
-              <a:t>7</a:t>
+              <a:t> 7</a:t>
             </a:r>
             <a:endParaRPr lang="en-US" dirty="0"/>
           </a:p>
@@ -5007,11 +5003,7 @@
             </a:r>
             <a:r>
               <a:rPr lang="en-US" dirty="0" err="1" smtClean="0"/>
-              <a:t>construcci</a:t>
-            </a:r>
-            <a:r>
-              <a:rPr lang="en-US" dirty="0" err="1" smtClean="0"/>
-              <a:t>ón</a:t>
+              <a:t>construcción</a:t>
             </a:r>
             <a:endParaRPr lang="en-US" dirty="0"/>
           </a:p>
@@ -6777,11 +6769,7 @@
             </a:r>
             <a:r>
               <a:rPr lang="en-US" dirty="0" err="1" smtClean="0"/>
-              <a:t>ejecuci</a:t>
-            </a:r>
-            <a:r>
-              <a:rPr lang="en-US" dirty="0" err="1" smtClean="0"/>
-              <a:t>ón</a:t>
+              <a:t>ejecución</a:t>
             </a:r>
             <a:endParaRPr lang="en-US" dirty="0"/>
           </a:p>
@@ -7825,7 +7813,6 @@
               <a:rPr lang="en-US" sz="2800" dirty="0"/>
               <a:t>8</a:t>
             </a:r>
-            <a:endParaRPr lang="en-US" sz="2800" dirty="0"/>
           </a:p>
         </p:txBody>
       </p:sp>
@@ -8654,11 +8641,7 @@
           <a:p>
             <a:r>
               <a:rPr lang="en-US" dirty="0" err="1" smtClean="0"/>
-              <a:t>Estructuraci</a:t>
-            </a:r>
-            <a:r>
-              <a:rPr lang="en-US" dirty="0" err="1" smtClean="0"/>
-              <a:t>ón</a:t>
+              <a:t>Estructuración</a:t>
             </a:r>
             <a:r>
               <a:rPr lang="en-US" dirty="0" smtClean="0"/>
@@ -8694,11 +8677,7 @@
             </a:r>
             <a:r>
               <a:rPr lang="es-ES_tradnl" dirty="0" smtClean="0"/>
-              <a:t> T</a:t>
-            </a:r>
-            <a:r>
-              <a:rPr lang="es-ES_tradnl" dirty="0" smtClean="0"/>
-              <a:t>écnica para organizar las clases de un programa en carpetas divididas por  funcionalidad.</a:t>
+              <a:t> Técnica para organizar las clases de un programa en carpetas divididas por  funcionalidad.</a:t>
             </a:r>
           </a:p>
           <a:p>
@@ -8712,11 +8691,7 @@
             <a:pPr algn="just"/>
             <a:r>
               <a:rPr lang="es-ES_tradnl" dirty="0" smtClean="0"/>
-              <a:t>La primera l</a:t>
-            </a:r>
-            <a:r>
-              <a:rPr lang="es-ES_tradnl" dirty="0" smtClean="0"/>
-              <a:t>ínea de código en una clase es la declaración del paquete</a:t>
+              <a:t>La primera línea de código en una clase es la declaración del paquete</a:t>
             </a:r>
             <a:endParaRPr lang="es-ES_tradnl" dirty="0"/>
           </a:p>
@@ -8842,11 +8817,7 @@
           <a:p>
             <a:r>
               <a:rPr lang="en-US" dirty="0" err="1" smtClean="0"/>
-              <a:t>Utilizaci</a:t>
-            </a:r>
-            <a:r>
-              <a:rPr lang="en-US" dirty="0" err="1" smtClean="0"/>
-              <a:t>ón</a:t>
+              <a:t>Utilización</a:t>
             </a:r>
             <a:r>
               <a:rPr lang="en-US" dirty="0" smtClean="0"/>
@@ -8884,11 +8855,7 @@
           <a:p>
             <a:r>
               <a:rPr lang="es-ES_tradnl" dirty="0" smtClean="0"/>
-              <a:t>Para utilizar una clase dentro de otro paquete, se debe importar dicha clase utilizando la instrucci</a:t>
-            </a:r>
-            <a:r>
-              <a:rPr lang="es-ES_tradnl" dirty="0" smtClean="0"/>
-              <a:t>ón </a:t>
+              <a:t>Para utilizar una clase dentro de otro paquete, se debe importar dicha clase utilizando la instrucción </a:t>
             </a:r>
             <a:r>
               <a:rPr lang="es-ES_tradnl" b="1" dirty="0" err="1" smtClean="0">
@@ -9074,11 +9041,7 @@
             </a:r>
             <a:r>
               <a:rPr lang="en-US" dirty="0" err="1" smtClean="0"/>
-              <a:t>construcci</a:t>
-            </a:r>
-            <a:r>
-              <a:rPr lang="en-US" dirty="0" err="1" smtClean="0"/>
-              <a:t>ón</a:t>
+              <a:t>construcción</a:t>
             </a:r>
             <a:endParaRPr lang="en-US" dirty="0"/>
           </a:p>
@@ -9753,11 +9716,7 @@
             </a:r>
             <a:r>
               <a:rPr lang="en-US" dirty="0" err="1" smtClean="0"/>
-              <a:t>construcci</a:t>
-            </a:r>
-            <a:r>
-              <a:rPr lang="en-US" dirty="0" err="1" smtClean="0"/>
-              <a:t>ón</a:t>
+              <a:t>construcción</a:t>
             </a:r>
             <a:endParaRPr lang="en-US" dirty="0"/>
           </a:p>
@@ -10498,11 +10457,7 @@
             </a:r>
             <a:r>
               <a:rPr lang="es-CO" smtClean="0"/>
-              <a:t>de </a:t>
-            </a:r>
-            <a:r>
-              <a:rPr lang="es-CO" smtClean="0"/>
-              <a:t>creación</a:t>
+              <a:t>de creación</a:t>
             </a:r>
             <a:endParaRPr lang="es-CO" dirty="0" smtClean="0"/>
           </a:p>
@@ -10524,15 +10479,7 @@
             <a:pPr lvl="1"/>
             <a:r>
               <a:rPr lang="es-CO" dirty="0" smtClean="0"/>
-              <a:t>Puede tener parámetros para inicializar los valores de </a:t>
-            </a:r>
-            <a:r>
-              <a:rPr lang="es-CO" dirty="0" smtClean="0"/>
-              <a:t>algunos de los </a:t>
-            </a:r>
-            <a:r>
-              <a:rPr lang="es-CO" dirty="0" smtClean="0"/>
-              <a:t>atributos</a:t>
+              <a:t>Puede tener parámetros para inicializar los valores de algunos de los atributos</a:t>
             </a:r>
           </a:p>
           <a:p>
@@ -11149,11 +11096,7 @@
           <a:p>
             <a:r>
               <a:rPr lang="en-US" dirty="0" err="1" smtClean="0"/>
-              <a:t>Estructura</a:t>
-            </a:r>
-            <a:r>
-              <a:rPr lang="en-US" dirty="0" err="1" smtClean="0"/>
-              <a:t>ción</a:t>
+              <a:t>Estructuración</a:t>
             </a:r>
             <a:r>
               <a:rPr lang="en-US" dirty="0" smtClean="0"/>
@@ -11239,11 +11182,7 @@
           <a:p>
             <a:r>
               <a:rPr lang="en-US" dirty="0" err="1" smtClean="0"/>
-              <a:t>Soluci</a:t>
-            </a:r>
-            <a:r>
-              <a:rPr lang="en-US" dirty="0" err="1" smtClean="0"/>
-              <a:t>ón</a:t>
+              <a:t>Solución</a:t>
             </a:r>
             <a:r>
               <a:rPr lang="en-US" dirty="0" smtClean="0"/>
@@ -12139,7 +12078,6 @@
               <a:rPr lang="en-US" sz="2800" dirty="0"/>
               <a:t>3</a:t>
             </a:r>
-            <a:endParaRPr lang="en-US" sz="2800" dirty="0"/>
           </a:p>
         </p:txBody>
       </p:sp>
@@ -12170,7 +12108,6 @@
               <a:rPr lang="en-US" sz="2800" dirty="0"/>
               <a:t>8</a:t>
             </a:r>
-            <a:endParaRPr lang="en-US" sz="2800" dirty="0"/>
           </a:p>
         </p:txBody>
       </p:sp>
@@ -12258,7 +12195,7 @@
         </p:nvSpPr>
         <p:spPr>
           <a:xfrm>
-            <a:off x="1043608" y="4293096"/>
+            <a:off x="827584" y="4293096"/>
             <a:ext cx="576064" cy="249416"/>
           </a:xfrm>
           <a:prstGeom prst="rect">
@@ -12304,7 +12241,7 @@
         </p:nvSpPr>
         <p:spPr>
           <a:xfrm>
-            <a:off x="1615084" y="4293096"/>
+            <a:off x="1399060" y="4293096"/>
             <a:ext cx="508644" cy="249416"/>
           </a:xfrm>
           <a:prstGeom prst="rect">
@@ -12350,7 +12287,7 @@
         </p:nvSpPr>
         <p:spPr>
           <a:xfrm>
-            <a:off x="1043608" y="4509120"/>
+            <a:off x="827584" y="4509120"/>
             <a:ext cx="1080120" cy="254640"/>
           </a:xfrm>
           <a:prstGeom prst="rect">
@@ -12396,7 +12333,7 @@
         </p:nvSpPr>
         <p:spPr>
           <a:xfrm>
-            <a:off x="1043608" y="4661520"/>
+            <a:off x="827584" y="4661520"/>
             <a:ext cx="1368152" cy="284068"/>
           </a:xfrm>
           <a:prstGeom prst="rect">
@@ -12442,7 +12379,7 @@
         </p:nvSpPr>
         <p:spPr>
           <a:xfrm>
-            <a:off x="1043608" y="4849124"/>
+            <a:off x="827584" y="4849124"/>
             <a:ext cx="2160240" cy="284068"/>
           </a:xfrm>
           <a:prstGeom prst="rect">
@@ -13289,11 +13226,7 @@
             </a:r>
             <a:r>
               <a:rPr lang="en-US" dirty="0" err="1" smtClean="0"/>
-              <a:t>construcci</a:t>
-            </a:r>
-            <a:r>
-              <a:rPr lang="en-US" dirty="0" err="1" smtClean="0"/>
-              <a:t>ón</a:t>
+              <a:t>construcción</a:t>
             </a:r>
             <a:endParaRPr lang="en-US" dirty="0"/>
           </a:p>
@@ -14654,11 +14587,7 @@
             </a:r>
             <a:r>
               <a:rPr lang="en-US" dirty="0" err="1" smtClean="0"/>
-              <a:t>ejecuci</a:t>
-            </a:r>
-            <a:r>
-              <a:rPr lang="en-US" dirty="0" err="1" smtClean="0"/>
-              <a:t>ón</a:t>
+              <a:t>ejecución</a:t>
             </a:r>
             <a:endParaRPr lang="en-US" dirty="0"/>
           </a:p>
@@ -15790,7 +15719,6 @@
               <a:rPr lang="en-US" sz="2800" dirty="0"/>
               <a:t>8</a:t>
             </a:r>
-            <a:endParaRPr lang="en-US" sz="2800" dirty="0"/>
           </a:p>
         </p:txBody>
       </p:sp>
@@ -16198,7 +16126,7 @@
         </p:nvSpPr>
         <p:spPr>
           <a:xfrm>
-            <a:off x="683568" y="4725144"/>
+            <a:off x="467544" y="4725144"/>
             <a:ext cx="2016224" cy="304012"/>
           </a:xfrm>
           <a:prstGeom prst="rect">
@@ -16290,7 +16218,7 @@
         </p:nvSpPr>
         <p:spPr>
           <a:xfrm>
-            <a:off x="2699792" y="4725144"/>
+            <a:off x="2483768" y="4725144"/>
             <a:ext cx="1944216" cy="304012"/>
           </a:xfrm>
           <a:prstGeom prst="rect">
@@ -16336,7 +16264,7 @@
         </p:nvSpPr>
         <p:spPr>
           <a:xfrm>
-            <a:off x="683568" y="4921368"/>
+            <a:off x="467544" y="4921368"/>
             <a:ext cx="1224136" cy="260188"/>
           </a:xfrm>
           <a:prstGeom prst="rect">
@@ -16382,7 +16310,7 @@
         </p:nvSpPr>
         <p:spPr>
           <a:xfrm>
-            <a:off x="1907704" y="4921368"/>
+            <a:off x="1691680" y="4921368"/>
             <a:ext cx="1584176" cy="260188"/>
           </a:xfrm>
           <a:prstGeom prst="rect">
@@ -16428,7 +16356,7 @@
         </p:nvSpPr>
         <p:spPr>
           <a:xfrm>
-            <a:off x="3501578" y="4921368"/>
+            <a:off x="2781498" y="4921368"/>
             <a:ext cx="350342" cy="260188"/>
           </a:xfrm>
           <a:prstGeom prst="rect">
@@ -16474,7 +16402,7 @@
         </p:nvSpPr>
         <p:spPr>
           <a:xfrm>
-            <a:off x="1954051" y="3760051"/>
+            <a:off x="1738027" y="3760051"/>
             <a:ext cx="2289857" cy="287624"/>
           </a:xfrm>
           <a:prstGeom prst="rect">
@@ -16520,7 +16448,7 @@
         </p:nvSpPr>
         <p:spPr>
           <a:xfrm>
-            <a:off x="722243" y="4081934"/>
+            <a:off x="506219" y="4081934"/>
             <a:ext cx="609397" cy="287624"/>
           </a:xfrm>
           <a:prstGeom prst="rect">
@@ -16566,7 +16494,7 @@
         </p:nvSpPr>
         <p:spPr>
           <a:xfrm>
-            <a:off x="683568" y="5096625"/>
+            <a:off x="467544" y="5096625"/>
             <a:ext cx="3960440" cy="287624"/>
           </a:xfrm>
           <a:prstGeom prst="rect">
@@ -16612,7 +16540,7 @@
         </p:nvSpPr>
         <p:spPr>
           <a:xfrm>
-            <a:off x="1331640" y="4081934"/>
+            <a:off x="1115616" y="4081934"/>
             <a:ext cx="1656184" cy="288190"/>
           </a:xfrm>
           <a:prstGeom prst="rect">
@@ -16658,7 +16586,7 @@
         </p:nvSpPr>
         <p:spPr>
           <a:xfrm>
-            <a:off x="683568" y="4919274"/>
+            <a:off x="467544" y="4919274"/>
             <a:ext cx="3312368" cy="287624"/>
           </a:xfrm>
           <a:prstGeom prst="rect">
@@ -18217,11 +18145,7 @@
             </a:r>
             <a:r>
               <a:rPr lang="en-US" dirty="0" err="1" smtClean="0"/>
-              <a:t>construcci</a:t>
-            </a:r>
-            <a:r>
-              <a:rPr lang="en-US" dirty="0" err="1" smtClean="0"/>
-              <a:t>ón</a:t>
+              <a:t>construcción</a:t>
             </a:r>
             <a:endParaRPr lang="en-US" dirty="0"/>
           </a:p>
@@ -19542,11 +19466,7 @@
             </a:r>
             <a:r>
               <a:rPr lang="en-US" dirty="0" err="1" smtClean="0"/>
-              <a:t>ejecuci</a:t>
-            </a:r>
-            <a:r>
-              <a:rPr lang="en-US" dirty="0" err="1" smtClean="0"/>
-              <a:t>ón</a:t>
+              <a:t>ejecución</a:t>
             </a:r>
             <a:endParaRPr lang="en-US" dirty="0"/>
           </a:p>
@@ -21193,7 +21113,6 @@
               <a:rPr lang="en-US" sz="2800" dirty="0"/>
               <a:t>8</a:t>
             </a:r>
-            <a:endParaRPr lang="en-US" sz="2800" dirty="0"/>
           </a:p>
         </p:txBody>
       </p:sp>
@@ -21880,11 +21799,7 @@
             </a:r>
             <a:r>
               <a:rPr lang="en-US" dirty="0" err="1" smtClean="0"/>
-              <a:t>construcci</a:t>
-            </a:r>
-            <a:r>
-              <a:rPr lang="en-US" dirty="0" err="1" smtClean="0"/>
-              <a:t>ón</a:t>
+              <a:t>construcción</a:t>
             </a:r>
             <a:endParaRPr lang="en-US" dirty="0"/>
           </a:p>

--- a/Presentaciones/Presentacion_Fundamentos_2016_007_N.pptx
+++ b/Presentaciones/Presentacion_Fundamentos_2016_007_N.pptx
@@ -127,7 +127,7 @@
   </p:defaultTextStyle>
   <p:extLst>
     <p:ext uri="{EFAFB233-063F-42B5-8137-9DF3F51BA10A}">
-      <p15:sldGuideLst xmlns:p15="http://schemas.microsoft.com/office/powerpoint/2012/main" xmlns="">
+      <p15:sldGuideLst xmlns="" xmlns:p15="http://schemas.microsoft.com/office/powerpoint/2012/main">
         <p15:guide id="1" orient="horz" pos="2160">
           <p15:clr>
             <a:srgbClr val="A4A3A4"/>
@@ -141,7 +141,7 @@
       </p15:sldGuideLst>
     </p:ext>
     <p:ext uri="{2D200454-40CA-4A62-9FC3-DE9A4176ACB9}">
-      <p15:notesGuideLst xmlns:p15="http://schemas.microsoft.com/office/powerpoint/2012/main" xmlns="">
+      <p15:notesGuideLst xmlns="" xmlns:p15="http://schemas.microsoft.com/office/powerpoint/2012/main">
         <p15:guide id="1" orient="horz" pos="2880">
           <p15:clr>
             <a:srgbClr val="A4A3A4"/>
@@ -10524,36 +10524,6 @@
           <a:chExt cx="0" cy="0"/>
         </a:xfrm>
       </p:grpSpPr>
-      <p:pic>
-        <p:nvPicPr>
-          <p:cNvPr id="12" name="Picture 11"/>
-          <p:cNvPicPr>
-            <a:picLocks noChangeAspect="1"/>
-          </p:cNvPicPr>
-          <p:nvPr/>
-        </p:nvPicPr>
-        <p:blipFill>
-          <a:blip r:embed="rId2">
-            <a:extLst>
-              <a:ext uri="{28A0092B-C50C-407E-A947-70E740481C1C}">
-                <a14:useLocalDpi xmlns:a14="http://schemas.microsoft.com/office/drawing/2010/main" val="0"/>
-              </a:ext>
-            </a:extLst>
-          </a:blip>
-          <a:stretch>
-            <a:fillRect/>
-          </a:stretch>
-        </p:blipFill>
-        <p:spPr>
-          <a:xfrm>
-            <a:off x="457200" y="1307849"/>
-            <a:ext cx="3817987" cy="2808634"/>
-          </a:xfrm>
-          <a:prstGeom prst="rect">
-            <a:avLst/>
-          </a:prstGeom>
-        </p:spPr>
-      </p:pic>
       <p:sp>
         <p:nvSpPr>
           <p:cNvPr id="2" name="Title 1"/>
@@ -10586,7 +10556,7 @@
           <p:nvPr/>
         </p:nvPicPr>
         <p:blipFill>
-          <a:blip r:embed="rId3">
+          <a:blip r:embed="rId2">
             <a:extLst>
               <a:ext uri="{28A0092B-C50C-407E-A947-70E740481C1C}">
                 <a14:useLocalDpi xmlns:a14="http://schemas.microsoft.com/office/drawing/2010/main" val="0"/>
@@ -10650,7 +10620,7 @@
           <p:nvPr/>
         </p:nvPicPr>
         <p:blipFill>
-          <a:blip r:embed="rId4">
+          <a:blip r:embed="rId3">
             <a:extLst>
               <a:ext uri="{28A0092B-C50C-407E-A947-70E740481C1C}">
                 <a14:useLocalDpi xmlns:a14="http://schemas.microsoft.com/office/drawing/2010/main" val="0"/>
@@ -10703,6 +10673,36 @@
               </a14:hiddenEffects>
             </a:ext>
           </a:extLst>
+        </p:spPr>
+      </p:pic>
+      <p:pic>
+        <p:nvPicPr>
+          <p:cNvPr id="3" name="Picture 2"/>
+          <p:cNvPicPr>
+            <a:picLocks noChangeAspect="1"/>
+          </p:cNvPicPr>
+          <p:nvPr/>
+        </p:nvPicPr>
+        <p:blipFill>
+          <a:blip r:embed="rId4">
+            <a:extLst>
+              <a:ext uri="{28A0092B-C50C-407E-A947-70E740481C1C}">
+                <a14:useLocalDpi xmlns:a14="http://schemas.microsoft.com/office/drawing/2010/main" val="0"/>
+              </a:ext>
+            </a:extLst>
+          </a:blip>
+          <a:stretch>
+            <a:fillRect/>
+          </a:stretch>
+        </p:blipFill>
+        <p:spPr>
+          <a:xfrm>
+            <a:off x="681236" y="1647338"/>
+            <a:ext cx="3314700" cy="2438400"/>
+          </a:xfrm>
+          <a:prstGeom prst="rect">
+            <a:avLst/>
+          </a:prstGeom>
         </p:spPr>
       </p:pic>
       <p:cxnSp>
